--- a/HIV Testing Analysis.pptx
+++ b/HIV Testing Analysis.pptx
@@ -6978,7 +6978,7 @@
                 <a:latin typeface="Cambria" panose="02040503050406030204" pitchFamily="18" charset="0"/>
                 <a:ea typeface="Cambria" panose="02040503050406030204" pitchFamily="18" charset="0"/>
               </a:rPr>
-              <a:t>4700 patients living with HIV/AIDS</a:t>
+              <a:t>4,794 patients living with HIV/AIDS</a:t>
             </a:r>
           </a:p>
           <a:p>
@@ -7274,7 +7274,7 @@
                 <a:latin typeface="Cambria" panose="02040503050406030204" pitchFamily="18" charset="0"/>
                 <a:ea typeface="Cambria" panose="02040503050406030204" pitchFamily="18" charset="0"/>
               </a:rPr>
-              <a:t>To understand who makes the ideal patient at Howard Brown, we analyzed a federal dataset of patients for 2017 to understand demographic behavior and their ability get HIV treatment. We analyzed the following segmentations:</a:t>
+              <a:t>To understand who makes the ideal patient at Howard Brown, we analyzed a federal dataset of patients for 2018 to understand demographic behavior and their ability get HIV treatment. We analyzed the following segmentations:</a:t>
             </a:r>
           </a:p>
           <a:p>
@@ -8206,7 +8206,7 @@
                 <a:latin typeface="Cambria" panose="02040503050406030204" pitchFamily="18" charset="0"/>
                 <a:ea typeface="Cambria" panose="02040503050406030204" pitchFamily="18" charset="0"/>
               </a:rPr>
-              <a:t>unknown Race or Ethnicity</a:t>
+              <a:t>Unknown Race or Ethnicity</a:t>
             </a:r>
           </a:p>
           <a:p>
@@ -8229,7 +8229,7 @@
                 <a:latin typeface="Cambria" panose="02040503050406030204" pitchFamily="18" charset="0"/>
                 <a:ea typeface="Cambria" panose="02040503050406030204" pitchFamily="18" charset="0"/>
               </a:rPr>
-              <a:t>type of insurance</a:t>
+              <a:t>Type of insurance</a:t>
             </a:r>
           </a:p>
         </p:txBody>

--- a/HIV Testing Analysis.pptx
+++ b/HIV Testing Analysis.pptx
@@ -6432,20 +6432,20 @@
         </p:nvSpPr>
         <p:spPr>
           <a:xfrm>
-            <a:off x="691547" y="4519749"/>
-            <a:ext cx="10805790" cy="1270279"/>
+            <a:off x="787000" y="3646025"/>
+            <a:ext cx="10978914" cy="2346756"/>
           </a:xfrm>
         </p:spPr>
         <p:txBody>
           <a:bodyPr>
-            <a:normAutofit/>
+            <a:noAutofit/>
           </a:bodyPr>
           <a:lstStyle/>
           <a:p>
             <a:pPr algn="ctr"/>
             <a:r>
-              <a:rPr lang="en-US" sz="6600"/>
-              <a:t>HIV Testing Analysis </a:t>
+              <a:rPr lang="en-US" sz="5700" dirty="0"/>
+              <a:t>Analysis OF HIV/AIDS care AT HOWARD BROWN HEALTH</a:t>
             </a:r>
           </a:p>
         </p:txBody>
@@ -6582,7 +6582,7 @@
         </p:blipFill>
         <p:spPr>
           <a:xfrm>
-            <a:off x="4337094" y="691546"/>
+            <a:off x="4256071" y="322443"/>
             <a:ext cx="3514694" cy="3514694"/>
           </a:xfrm>
           <a:prstGeom prst="rect">
@@ -6687,7 +6687,7 @@
                 <a:latin typeface="Cambria" panose="02040503050406030204" pitchFamily="18" charset="0"/>
                 <a:ea typeface="Cambria" panose="02040503050406030204" pitchFamily="18" charset="0"/>
               </a:rPr>
-              <a:t>Based on the analysis, we come to the following analysis: </a:t>
+              <a:t>Based on the analysis, we came to the following analysis: </a:t>
             </a:r>
           </a:p>
           <a:p>
@@ -7217,7 +7217,7 @@
         <p:spPr>
           <a:xfrm>
             <a:off x="319596" y="417250"/>
-            <a:ext cx="10449018" cy="707886"/>
+            <a:ext cx="10449018" cy="1938992"/>
           </a:xfrm>
           <a:prstGeom prst="rect">
             <a:avLst/>
@@ -7230,14 +7230,22 @@
           </a:bodyPr>
           <a:lstStyle/>
           <a:p>
+            <a:pPr algn="ctr"/>
             <a:r>
               <a:rPr lang="en-US" sz="4000" dirty="0">
                 <a:solidFill>
                   <a:srgbClr val="C00000"/>
                 </a:solidFill>
               </a:rPr>
-              <a:t>Research Question: Who is the Ideal Patient?</a:t>
-            </a:r>
+              <a:t>Research Question: What Type of Patients Come to Howard Brown for HIV/AIDS Services?</a:t>
+            </a:r>
+          </a:p>
+          <a:p>
+            <a:endParaRPr lang="en-US" sz="4000" dirty="0">
+              <a:solidFill>
+                <a:srgbClr val="C00000"/>
+              </a:solidFill>
+            </a:endParaRPr>
           </a:p>
         </p:txBody>
       </p:sp>
@@ -7255,7 +7263,7 @@
         </p:nvSpPr>
         <p:spPr>
           <a:xfrm>
-            <a:off x="488272" y="1455938"/>
+            <a:off x="441974" y="2127269"/>
             <a:ext cx="10839635" cy="3139321"/>
           </a:xfrm>
           <a:prstGeom prst="rect">
@@ -7274,7 +7282,7 @@
                 <a:latin typeface="Cambria" panose="02040503050406030204" pitchFamily="18" charset="0"/>
                 <a:ea typeface="Cambria" panose="02040503050406030204" pitchFamily="18" charset="0"/>
               </a:rPr>
-              <a:t>To understand who makes the ideal patient at Howard Brown, we analyzed a federal dataset of patients for 2018 to understand demographic behavior and their ability get HIV treatment. We analyzed the following segmentations:</a:t>
+              <a:t>To understand types of patients at Howard Brown for HIV/AIDS services, we analyzed a federal dataset from 2018 to understand demographic behavior and their ability to receive HIV treatment. We analyzed the following characteristics:</a:t>
             </a:r>
           </a:p>
           <a:p>
@@ -8229,7 +8237,7 @@
                 <a:latin typeface="Cambria" panose="02040503050406030204" pitchFamily="18" charset="0"/>
                 <a:ea typeface="Cambria" panose="02040503050406030204" pitchFamily="18" charset="0"/>
               </a:rPr>
-              <a:t>Type of insurance</a:t>
+              <a:t>Other types of insurance</a:t>
             </a:r>
           </a:p>
         </p:txBody>

--- a/HIV Testing Analysis.pptx
+++ b/HIV Testing Analysis.pptx
@@ -7573,19 +7573,17 @@
       </p:sp>
       <p:pic>
         <p:nvPicPr>
-          <p:cNvPr id="5" name="Content Placeholder 4">
+          <p:cNvPr id="7" name="Picture 6">
             <a:extLst>
               <a:ext uri="{FF2B5EF4-FFF2-40B4-BE49-F238E27FC236}">
-                <a16:creationId xmlns:a16="http://schemas.microsoft.com/office/drawing/2014/main" id="{482DF687-71D8-F545-83EB-BC11345C6761}"/>
+                <a16:creationId xmlns:a16="http://schemas.microsoft.com/office/drawing/2014/main" id="{2C9510B3-66AB-9448-B5D3-94987685A481}"/>
               </a:ext>
             </a:extLst>
           </p:cNvPr>
           <p:cNvPicPr>
-            <a:picLocks noGrp="1" noChangeAspect="1"/>
+            <a:picLocks noChangeAspect="1"/>
           </p:cNvPicPr>
-          <p:nvPr>
-            <p:ph idx="1"/>
-          </p:nvPr>
+          <p:nvPr/>
         </p:nvPicPr>
         <p:blipFill>
           <a:blip r:embed="rId2">
@@ -7601,24 +7599,29 @@
         </p:blipFill>
         <p:spPr>
           <a:xfrm>
-            <a:off x="5810763" y="1837765"/>
-            <a:ext cx="5561972" cy="3707982"/>
-          </a:xfrm>
+            <a:off x="820615" y="1718187"/>
+            <a:ext cx="3962399" cy="3733799"/>
+          </a:xfrm>
+          <a:prstGeom prst="rect">
+            <a:avLst/>
+          </a:prstGeom>
         </p:spPr>
       </p:pic>
       <p:pic>
         <p:nvPicPr>
-          <p:cNvPr id="7" name="Picture 6">
+          <p:cNvPr id="8" name="Content Placeholder 7">
             <a:extLst>
               <a:ext uri="{FF2B5EF4-FFF2-40B4-BE49-F238E27FC236}">
-                <a16:creationId xmlns:a16="http://schemas.microsoft.com/office/drawing/2014/main" id="{2C9510B3-66AB-9448-B5D3-94987685A481}"/>
+                <a16:creationId xmlns:a16="http://schemas.microsoft.com/office/drawing/2014/main" id="{6AD3D171-D647-1548-9172-C8AFAE507AF4}"/>
               </a:ext>
             </a:extLst>
           </p:cNvPr>
           <p:cNvPicPr>
-            <a:picLocks noChangeAspect="1"/>
+            <a:picLocks noGrp="1" noChangeAspect="1"/>
           </p:cNvPicPr>
-          <p:nvPr/>
+          <p:nvPr>
+            <p:ph idx="1"/>
+          </p:nvPr>
         </p:nvPicPr>
         <p:blipFill>
           <a:blip r:embed="rId3">
@@ -7634,12 +7637,9 @@
         </p:blipFill>
         <p:spPr>
           <a:xfrm>
-            <a:off x="395749" y="1718187"/>
-            <a:ext cx="3733799" cy="3733799"/>
-          </a:xfrm>
-          <a:prstGeom prst="rect">
-            <a:avLst/>
-          </a:prstGeom>
+            <a:off x="5778711" y="1718187"/>
+            <a:ext cx="4713442" cy="3733799"/>
+          </a:xfrm>
         </p:spPr>
       </p:pic>
     </p:spTree>
@@ -7942,7 +7942,7 @@
           <a:p>
             <a:r>
               <a:rPr lang="en-US" dirty="0"/>
-              <a:t>VIRAL SUPRESSION</a:t>
+              <a:t>VIRAL SUPRESSION and cd4 Count</a:t>
             </a:r>
           </a:p>
         </p:txBody>
